--- a/MULTY-PLATTFOMR_SCREEN_GRABBER.pptx
+++ b/MULTY-PLATTFOMR_SCREEN_GRABBER.pptx
@@ -12,9 +12,10 @@
     <p:sldId id="262" r:id="rId6"/>
     <p:sldId id="260" r:id="rId7"/>
     <p:sldId id="263" r:id="rId8"/>
-    <p:sldId id="261" r:id="rId9"/>
-    <p:sldId id="264" r:id="rId10"/>
-    <p:sldId id="265" r:id="rId11"/>
+    <p:sldId id="266" r:id="rId9"/>
+    <p:sldId id="261" r:id="rId10"/>
+    <p:sldId id="264" r:id="rId11"/>
+    <p:sldId id="265" r:id="rId12"/>
   </p:sldIdLst>
   <p:sldSz cx="12192000" cy="6858000"/>
   <p:notesSz cx="6858000" cy="9144000"/>
@@ -113,6 +114,11 @@
       </a:defRPr>
     </a:lvl9pPr>
   </p:defaultTextStyle>
+  <p:extLst>
+    <p:ext uri="{EFAFB233-063F-42B5-8137-9DF3F51BA10A}">
+      <p15:sldGuideLst xmlns:p15="http://schemas.microsoft.com/office/powerpoint/2012/main"/>
+    </p:ext>
+  </p:extLst>
 </p:presentation>
 </file>
 
@@ -3124,6 +3130,134 @@
       </p:grpSpPr>
       <p:sp>
         <p:nvSpPr>
+          <p:cNvPr id="4" name="Title 1">
+            <a:extLst>
+              <a:ext uri="{FF2B5EF4-FFF2-40B4-BE49-F238E27FC236}">
+                <a16:creationId xmlns:a16="http://schemas.microsoft.com/office/drawing/2014/main" id="{3652B504-9A13-31A6-10FE-9C2FB2A03C50}"/>
+              </a:ext>
+            </a:extLst>
+          </p:cNvPr>
+          <p:cNvSpPr>
+            <a:spLocks noGrp="1"/>
+          </p:cNvSpPr>
+          <p:nvPr>
+            <p:ph type="title"/>
+          </p:nvPr>
+        </p:nvSpPr>
+        <p:spPr/>
+        <p:txBody>
+          <a:bodyPr/>
+          <a:lstStyle/>
+          <a:p>
+            <a:pPr algn="ctr"/>
+            <a:r>
+              <a:rPr lang="it-IT" b="1" dirty="0" err="1"/>
+              <a:t>Modify</a:t>
+            </a:r>
+            <a:endParaRPr lang="en-GB" b="1" dirty="0"/>
+          </a:p>
+        </p:txBody>
+      </p:sp>
+      <p:pic>
+        <p:nvPicPr>
+          <p:cNvPr id="7" name="Content Placeholder 6">
+            <a:extLst>
+              <a:ext uri="{FF2B5EF4-FFF2-40B4-BE49-F238E27FC236}">
+                <a16:creationId xmlns:a16="http://schemas.microsoft.com/office/drawing/2014/main" id="{DCF0D419-2901-8DE0-FCF5-3024F298F701}"/>
+              </a:ext>
+            </a:extLst>
+          </p:cNvPr>
+          <p:cNvPicPr>
+            <a:picLocks noGrp="1" noChangeAspect="1"/>
+          </p:cNvPicPr>
+          <p:nvPr>
+            <p:ph idx="1"/>
+          </p:nvPr>
+        </p:nvPicPr>
+        <p:blipFill>
+          <a:blip r:embed="rId2"/>
+          <a:stretch>
+            <a:fillRect/>
+          </a:stretch>
+        </p:blipFill>
+        <p:spPr>
+          <a:xfrm>
+            <a:off x="2665348" y="1607536"/>
+            <a:ext cx="6861303" cy="3642927"/>
+          </a:xfrm>
+          <a:prstGeom prst="rect">
+            <a:avLst/>
+          </a:prstGeom>
+        </p:spPr>
+      </p:pic>
+      <p:sp>
+        <p:nvSpPr>
+          <p:cNvPr id="8" name="TextBox 7">
+            <a:extLst>
+              <a:ext uri="{FF2B5EF4-FFF2-40B4-BE49-F238E27FC236}">
+                <a16:creationId xmlns:a16="http://schemas.microsoft.com/office/drawing/2014/main" id="{30B34311-9E96-F343-E904-C666E7414798}"/>
+              </a:ext>
+            </a:extLst>
+          </p:cNvPr>
+          <p:cNvSpPr txBox="1"/>
+          <p:nvPr/>
+        </p:nvSpPr>
+        <p:spPr>
+          <a:xfrm>
+            <a:off x="1701864" y="5628640"/>
+            <a:ext cx="8788272" cy="954107"/>
+          </a:xfrm>
+          <a:prstGeom prst="rect">
+            <a:avLst/>
+          </a:prstGeom>
+          <a:noFill/>
+        </p:spPr>
+        <p:txBody>
+          <a:bodyPr wrap="square" rtlCol="0">
+            <a:spAutoFit/>
+          </a:bodyPr>
+          <a:lstStyle/>
+          <a:p>
+            <a:pPr algn="ctr"/>
+            <a:r>
+              <a:rPr lang="en-GB" sz="2800" dirty="0"/>
+              <a:t>This is the modified page after the addition of a circular shape</a:t>
+            </a:r>
+          </a:p>
+        </p:txBody>
+      </p:sp>
+    </p:spTree>
+    <p:extLst>
+      <p:ext uri="{BB962C8B-B14F-4D97-AF65-F5344CB8AC3E}">
+        <p14:creationId xmlns:p14="http://schemas.microsoft.com/office/powerpoint/2010/main" val="1370656264"/>
+      </p:ext>
+    </p:extLst>
+  </p:cSld>
+  <p:clrMapOvr>
+    <a:masterClrMapping/>
+  </p:clrMapOvr>
+</p:sld>
+</file>
+
+<file path=ppt/slides/slide11.xml><?xml version="1.0" encoding="utf-8"?>
+<p:sld xmlns:a="http://schemas.openxmlformats.org/drawingml/2006/main" xmlns:r="http://schemas.openxmlformats.org/officeDocument/2006/relationships" xmlns:p="http://schemas.openxmlformats.org/presentationml/2006/main">
+  <p:cSld>
+    <p:spTree>
+      <p:nvGrpSpPr>
+        <p:cNvPr id="1" name=""/>
+        <p:cNvGrpSpPr/>
+        <p:nvPr/>
+      </p:nvGrpSpPr>
+      <p:grpSpPr>
+        <a:xfrm>
+          <a:off x="0" y="0"/>
+          <a:ext cx="0" cy="0"/>
+          <a:chOff x="0" y="0"/>
+          <a:chExt cx="0" cy="0"/>
+        </a:xfrm>
+      </p:grpSpPr>
+      <p:sp>
+        <p:nvSpPr>
           <p:cNvPr id="2" name="Title 1">
             <a:extLst>
               <a:ext uri="{FF2B5EF4-FFF2-40B4-BE49-F238E27FC236}">
@@ -4104,6 +4238,140 @@
   <p:cSld>
     <p:spTree>
       <p:nvGrpSpPr>
+        <p:cNvPr id="1" name="">
+          <a:extLst>
+            <a:ext uri="{FF2B5EF4-FFF2-40B4-BE49-F238E27FC236}">
+              <a16:creationId xmlns:a16="http://schemas.microsoft.com/office/drawing/2014/main" id="{20A00E42-0620-B359-5484-BFDAAC30BC63}"/>
+            </a:ext>
+          </a:extLst>
+        </p:cNvPr>
+        <p:cNvGrpSpPr/>
+        <p:nvPr/>
+      </p:nvGrpSpPr>
+      <p:grpSpPr>
+        <a:xfrm>
+          <a:off x="0" y="0"/>
+          <a:ext cx="0" cy="0"/>
+          <a:chOff x="0" y="0"/>
+          <a:chExt cx="0" cy="0"/>
+        </a:xfrm>
+      </p:grpSpPr>
+      <p:sp>
+        <p:nvSpPr>
+          <p:cNvPr id="2" name="Title 1">
+            <a:extLst>
+              <a:ext uri="{FF2B5EF4-FFF2-40B4-BE49-F238E27FC236}">
+                <a16:creationId xmlns:a16="http://schemas.microsoft.com/office/drawing/2014/main" id="{02AC79C9-B1B9-5095-CA5A-102238CDD75B}"/>
+              </a:ext>
+            </a:extLst>
+          </p:cNvPr>
+          <p:cNvSpPr>
+            <a:spLocks noGrp="1"/>
+          </p:cNvSpPr>
+          <p:nvPr>
+            <p:ph type="title"/>
+          </p:nvPr>
+        </p:nvSpPr>
+        <p:spPr/>
+        <p:txBody>
+          <a:bodyPr/>
+          <a:lstStyle/>
+          <a:p>
+            <a:pPr algn="ctr"/>
+            <a:r>
+              <a:rPr lang="it-IT" b="1" dirty="0"/>
+              <a:t>Home</a:t>
+            </a:r>
+            <a:endParaRPr lang="en-GB" b="1" dirty="0"/>
+          </a:p>
+        </p:txBody>
+      </p:sp>
+      <p:pic>
+        <p:nvPicPr>
+          <p:cNvPr id="7" name="Content Placeholder 6">
+            <a:extLst>
+              <a:ext uri="{FF2B5EF4-FFF2-40B4-BE49-F238E27FC236}">
+                <a16:creationId xmlns:a16="http://schemas.microsoft.com/office/drawing/2014/main" id="{E847564B-8D14-E639-92EB-84691175D8AC}"/>
+              </a:ext>
+            </a:extLst>
+          </p:cNvPr>
+          <p:cNvPicPr>
+            <a:picLocks noGrp="1" noChangeAspect="1"/>
+          </p:cNvPicPr>
+          <p:nvPr>
+            <p:ph idx="1"/>
+          </p:nvPr>
+        </p:nvPicPr>
+        <p:blipFill>
+          <a:blip r:embed="rId2"/>
+          <a:stretch>
+            <a:fillRect/>
+          </a:stretch>
+        </p:blipFill>
+        <p:spPr>
+          <a:xfrm>
+            <a:off x="2503184" y="1522412"/>
+            <a:ext cx="7185631" cy="3813175"/>
+          </a:xfrm>
+          <a:prstGeom prst="rect">
+            <a:avLst/>
+          </a:prstGeom>
+        </p:spPr>
+      </p:pic>
+      <p:sp>
+        <p:nvSpPr>
+          <p:cNvPr id="4" name="TextBox 3">
+            <a:extLst>
+              <a:ext uri="{FF2B5EF4-FFF2-40B4-BE49-F238E27FC236}">
+                <a16:creationId xmlns:a16="http://schemas.microsoft.com/office/drawing/2014/main" id="{05E81456-1E06-7609-79E9-46730B30778B}"/>
+              </a:ext>
+            </a:extLst>
+          </p:cNvPr>
+          <p:cNvSpPr txBox="1"/>
+          <p:nvPr/>
+        </p:nvSpPr>
+        <p:spPr>
+          <a:xfrm>
+            <a:off x="1971039" y="5577840"/>
+            <a:ext cx="8249920" cy="954107"/>
+          </a:xfrm>
+          <a:prstGeom prst="rect">
+            <a:avLst/>
+          </a:prstGeom>
+          <a:noFill/>
+        </p:spPr>
+        <p:txBody>
+          <a:bodyPr wrap="square" rtlCol="0">
+            <a:spAutoFit/>
+          </a:bodyPr>
+          <a:lstStyle/>
+          <a:p>
+            <a:pPr algn="ctr"/>
+            <a:r>
+              <a:rPr lang="en-GB" sz="2800" dirty="0"/>
+              <a:t>This is the application's home page after capturing the entire system screen </a:t>
+            </a:r>
+          </a:p>
+        </p:txBody>
+      </p:sp>
+    </p:spTree>
+    <p:extLst>
+      <p:ext uri="{BB962C8B-B14F-4D97-AF65-F5344CB8AC3E}">
+        <p14:creationId xmlns:p14="http://schemas.microsoft.com/office/powerpoint/2010/main" val="3671823599"/>
+      </p:ext>
+    </p:extLst>
+  </p:cSld>
+  <p:clrMapOvr>
+    <a:masterClrMapping/>
+  </p:clrMapOvr>
+</p:sld>
+</file>
+
+<file path=ppt/slides/slide9.xml><?xml version="1.0" encoding="utf-8"?>
+<p:sld xmlns:a="http://schemas.openxmlformats.org/drawingml/2006/main" xmlns:r="http://schemas.openxmlformats.org/officeDocument/2006/relationships" xmlns:p="http://schemas.openxmlformats.org/presentationml/2006/main">
+  <p:cSld>
+    <p:spTree>
+      <p:nvGrpSpPr>
         <p:cNvPr id="1" name=""/>
         <p:cNvGrpSpPr/>
         <p:nvPr/>
@@ -4216,134 +4484,6 @@
     <p:extLst>
       <p:ext uri="{BB962C8B-B14F-4D97-AF65-F5344CB8AC3E}">
         <p14:creationId xmlns:p14="http://schemas.microsoft.com/office/powerpoint/2010/main" val="817708448"/>
-      </p:ext>
-    </p:extLst>
-  </p:cSld>
-  <p:clrMapOvr>
-    <a:masterClrMapping/>
-  </p:clrMapOvr>
-</p:sld>
-</file>
-
-<file path=ppt/slides/slide9.xml><?xml version="1.0" encoding="utf-8"?>
-<p:sld xmlns:a="http://schemas.openxmlformats.org/drawingml/2006/main" xmlns:r="http://schemas.openxmlformats.org/officeDocument/2006/relationships" xmlns:p="http://schemas.openxmlformats.org/presentationml/2006/main">
-  <p:cSld>
-    <p:spTree>
-      <p:nvGrpSpPr>
-        <p:cNvPr id="1" name=""/>
-        <p:cNvGrpSpPr/>
-        <p:nvPr/>
-      </p:nvGrpSpPr>
-      <p:grpSpPr>
-        <a:xfrm>
-          <a:off x="0" y="0"/>
-          <a:ext cx="0" cy="0"/>
-          <a:chOff x="0" y="0"/>
-          <a:chExt cx="0" cy="0"/>
-        </a:xfrm>
-      </p:grpSpPr>
-      <p:sp>
-        <p:nvSpPr>
-          <p:cNvPr id="4" name="Title 1">
-            <a:extLst>
-              <a:ext uri="{FF2B5EF4-FFF2-40B4-BE49-F238E27FC236}">
-                <a16:creationId xmlns:a16="http://schemas.microsoft.com/office/drawing/2014/main" id="{3652B504-9A13-31A6-10FE-9C2FB2A03C50}"/>
-              </a:ext>
-            </a:extLst>
-          </p:cNvPr>
-          <p:cNvSpPr>
-            <a:spLocks noGrp="1"/>
-          </p:cNvSpPr>
-          <p:nvPr>
-            <p:ph type="title"/>
-          </p:nvPr>
-        </p:nvSpPr>
-        <p:spPr/>
-        <p:txBody>
-          <a:bodyPr/>
-          <a:lstStyle/>
-          <a:p>
-            <a:pPr algn="ctr"/>
-            <a:r>
-              <a:rPr lang="it-IT" b="1" dirty="0" err="1"/>
-              <a:t>Modify</a:t>
-            </a:r>
-            <a:endParaRPr lang="en-GB" b="1" dirty="0"/>
-          </a:p>
-        </p:txBody>
-      </p:sp>
-      <p:pic>
-        <p:nvPicPr>
-          <p:cNvPr id="7" name="Content Placeholder 6">
-            <a:extLst>
-              <a:ext uri="{FF2B5EF4-FFF2-40B4-BE49-F238E27FC236}">
-                <a16:creationId xmlns:a16="http://schemas.microsoft.com/office/drawing/2014/main" id="{DCF0D419-2901-8DE0-FCF5-3024F298F701}"/>
-              </a:ext>
-            </a:extLst>
-          </p:cNvPr>
-          <p:cNvPicPr>
-            <a:picLocks noGrp="1" noChangeAspect="1"/>
-          </p:cNvPicPr>
-          <p:nvPr>
-            <p:ph idx="1"/>
-          </p:nvPr>
-        </p:nvPicPr>
-        <p:blipFill>
-          <a:blip r:embed="rId2"/>
-          <a:stretch>
-            <a:fillRect/>
-          </a:stretch>
-        </p:blipFill>
-        <p:spPr>
-          <a:xfrm>
-            <a:off x="2665348" y="1607536"/>
-            <a:ext cx="6861303" cy="3642927"/>
-          </a:xfrm>
-          <a:prstGeom prst="rect">
-            <a:avLst/>
-          </a:prstGeom>
-        </p:spPr>
-      </p:pic>
-      <p:sp>
-        <p:nvSpPr>
-          <p:cNvPr id="8" name="TextBox 7">
-            <a:extLst>
-              <a:ext uri="{FF2B5EF4-FFF2-40B4-BE49-F238E27FC236}">
-                <a16:creationId xmlns:a16="http://schemas.microsoft.com/office/drawing/2014/main" id="{30B34311-9E96-F343-E904-C666E7414798}"/>
-              </a:ext>
-            </a:extLst>
-          </p:cNvPr>
-          <p:cNvSpPr txBox="1"/>
-          <p:nvPr/>
-        </p:nvSpPr>
-        <p:spPr>
-          <a:xfrm>
-            <a:off x="1701864" y="5628640"/>
-            <a:ext cx="8788272" cy="954107"/>
-          </a:xfrm>
-          <a:prstGeom prst="rect">
-            <a:avLst/>
-          </a:prstGeom>
-          <a:noFill/>
-        </p:spPr>
-        <p:txBody>
-          <a:bodyPr wrap="square" rtlCol="0">
-            <a:spAutoFit/>
-          </a:bodyPr>
-          <a:lstStyle/>
-          <a:p>
-            <a:pPr algn="ctr"/>
-            <a:r>
-              <a:rPr lang="en-GB" sz="2800" dirty="0"/>
-              <a:t>This is the modified page after the addition of a circular shape</a:t>
-            </a:r>
-          </a:p>
-        </p:txBody>
-      </p:sp>
-    </p:spTree>
-    <p:extLst>
-      <p:ext uri="{BB962C8B-B14F-4D97-AF65-F5344CB8AC3E}">
-        <p14:creationId xmlns:p14="http://schemas.microsoft.com/office/powerpoint/2010/main" val="1370656264"/>
       </p:ext>
     </p:extLst>
   </p:cSld>
